--- a/Illia Khamza CV 2024 .pptx
+++ b/Illia Khamza CV 2024 .pptx
@@ -5314,7 +5314,7 @@
                 <a:latin typeface="Arial" panose="020B0604020202020204" pitchFamily="34" charset="0"/>
                 <a:cs typeface="Arial" panose="020B0604020202020204" pitchFamily="34" charset="0"/>
               </a:rPr>
-              <a:t>Nix Solutions is a one of the largest Ukrainian software development companies counting more 2000 employees. I worked on a major account specializing in Robotic Process Automation.</a:t>
+              <a:t>Nix Solutions is one of the largest Ukrainian software development companies with more than 2000 employees. I worked on a major account specializing in Robotic Process Automation.</a:t>
             </a:r>
           </a:p>
           <a:p>
@@ -5331,7 +5331,7 @@
                 <a:latin typeface="Arial" panose="020B0604020202020204" pitchFamily="34" charset="0"/>
                 <a:cs typeface="Arial" panose="020B0604020202020204" pitchFamily="34" charset="0"/>
               </a:rPr>
-              <a:t>Worked in a diverse team that included ML engineers, dedicated front-end developers, QA specialists, DevOps specialists, SCRUM master and a product owner. We worked under the </a:t>
+              <a:t>Worked in a diverse team that included ML engineers, dedicated front-end developers, QA specialists, DevOps specialists, a SCRUM master and a product owner. We worked under the </a:t>
             </a:r>
             <a:r>
               <a:rPr lang="en-GB" sz="1100" i="0" dirty="0">
@@ -5416,7 +5416,7 @@
                 <a:latin typeface="Arial" panose="020B0604020202020204" pitchFamily="34" charset="0"/>
                 <a:cs typeface="Arial" panose="020B0604020202020204" pitchFamily="34" charset="0"/>
               </a:rPr>
-              <a:t>My responsibilities included developing new features with .NET Core, .NET Framework and react, bug fixing, doing R&amp;Ds.</a:t>
+              <a:t>My responsibilities included developing new features with .NET Core, .NET Framework and react, bug fixing, and doing R&amp;D.</a:t>
             </a:r>
             <a:endParaRPr lang="en-GB" sz="1100" b="0" i="0" dirty="0">
               <a:solidFill>
@@ -5580,7 +5580,7 @@
         <p:spPr>
           <a:xfrm>
             <a:off x="478765" y="3930526"/>
-            <a:ext cx="6060058" cy="1107996"/>
+            <a:ext cx="6060058" cy="938719"/>
           </a:xfrm>
           <a:prstGeom prst="rect">
             <a:avLst/>
@@ -5617,7 +5617,7 @@
                 <a:latin typeface="Arial" panose="020B0604020202020204" pitchFamily="34" charset="0"/>
                 <a:cs typeface="Arial" panose="020B0604020202020204" pitchFamily="34" charset="0"/>
               </a:rPr>
-              <a:t> GmbH is a German company specializing in on-demand software development. During my time there, I contributed to developing several large bespoke commercial applications. </a:t>
+              <a:t> GmbH is a German company specializing in on-demand software development. While there, I contributed to developing several large bespoke commercial applications. </a:t>
             </a:r>
           </a:p>
           <a:p>
